--- a/FolderFileCountPipeline/FolderFileCountPipeline.pptx
+++ b/FolderFileCountPipeline/FolderFileCountPipeline.pptx
@@ -1223,7 +1223,7 @@
           <a:p>
             <a:fld id="{38E7CFFA-C5E0-4E19-B8D5-BBB60124E335}" type="datetimeFigureOut">
               <a:rPr lang="en-IN" smtClean="0"/>
-              <a:t>23-07-2024</a:t>
+              <a:t>24-07-2024</a:t>
             </a:fld>
             <a:endParaRPr lang="en-IN"/>
           </a:p>
@@ -1425,7 +1425,7 @@
           <a:p>
             <a:fld id="{38E7CFFA-C5E0-4E19-B8D5-BBB60124E335}" type="datetimeFigureOut">
               <a:rPr lang="en-IN" smtClean="0"/>
-              <a:t>23-07-2024</a:t>
+              <a:t>24-07-2024</a:t>
             </a:fld>
             <a:endParaRPr lang="en-IN"/>
           </a:p>
@@ -1605,7 +1605,7 @@
           <a:p>
             <a:fld id="{38E7CFFA-C5E0-4E19-B8D5-BBB60124E335}" type="datetimeFigureOut">
               <a:rPr lang="en-IN" smtClean="0"/>
-              <a:t>23-07-2024</a:t>
+              <a:t>24-07-2024</a:t>
             </a:fld>
             <a:endParaRPr lang="en-IN"/>
           </a:p>
@@ -1775,7 +1775,7 @@
           <a:p>
             <a:fld id="{38E7CFFA-C5E0-4E19-B8D5-BBB60124E335}" type="datetimeFigureOut">
               <a:rPr lang="en-IN" smtClean="0"/>
-              <a:t>23-07-2024</a:t>
+              <a:t>24-07-2024</a:t>
             </a:fld>
             <a:endParaRPr lang="en-IN"/>
           </a:p>
@@ -2346,7 +2346,7 @@
           <a:p>
             <a:fld id="{38E7CFFA-C5E0-4E19-B8D5-BBB60124E335}" type="datetimeFigureOut">
               <a:rPr lang="en-IN" smtClean="0"/>
-              <a:t>23-07-2024</a:t>
+              <a:t>24-07-2024</a:t>
             </a:fld>
             <a:endParaRPr lang="en-IN"/>
           </a:p>
@@ -2648,7 +2648,7 @@
           <a:p>
             <a:fld id="{38E7CFFA-C5E0-4E19-B8D5-BBB60124E335}" type="datetimeFigureOut">
               <a:rPr lang="en-IN" smtClean="0"/>
-              <a:t>23-07-2024</a:t>
+              <a:t>24-07-2024</a:t>
             </a:fld>
             <a:endParaRPr lang="en-IN"/>
           </a:p>
@@ -3085,7 +3085,7 @@
           <a:p>
             <a:fld id="{38E7CFFA-C5E0-4E19-B8D5-BBB60124E335}" type="datetimeFigureOut">
               <a:rPr lang="en-IN" smtClean="0"/>
-              <a:t>23-07-2024</a:t>
+              <a:t>24-07-2024</a:t>
             </a:fld>
             <a:endParaRPr lang="en-IN"/>
           </a:p>
@@ -3203,7 +3203,7 @@
           <a:p>
             <a:fld id="{38E7CFFA-C5E0-4E19-B8D5-BBB60124E335}" type="datetimeFigureOut">
               <a:rPr lang="en-IN" smtClean="0"/>
-              <a:t>23-07-2024</a:t>
+              <a:t>24-07-2024</a:t>
             </a:fld>
             <a:endParaRPr lang="en-IN"/>
           </a:p>
@@ -3298,7 +3298,7 @@
           <a:p>
             <a:fld id="{38E7CFFA-C5E0-4E19-B8D5-BBB60124E335}" type="datetimeFigureOut">
               <a:rPr lang="en-IN" smtClean="0"/>
-              <a:t>23-07-2024</a:t>
+              <a:t>24-07-2024</a:t>
             </a:fld>
             <a:endParaRPr lang="en-IN"/>
           </a:p>
@@ -3680,7 +3680,7 @@
           <a:p>
             <a:fld id="{38E7CFFA-C5E0-4E19-B8D5-BBB60124E335}" type="datetimeFigureOut">
               <a:rPr lang="en-IN" smtClean="0"/>
-              <a:t>23-07-2024</a:t>
+              <a:t>24-07-2024</a:t>
             </a:fld>
             <a:endParaRPr lang="en-IN"/>
           </a:p>
@@ -4074,7 +4074,7 @@
           <a:p>
             <a:fld id="{38E7CFFA-C5E0-4E19-B8D5-BBB60124E335}" type="datetimeFigureOut">
               <a:rPr lang="en-IN" smtClean="0"/>
-              <a:t>23-07-2024</a:t>
+              <a:t>24-07-2024</a:t>
             </a:fld>
             <a:endParaRPr lang="en-IN"/>
           </a:p>
@@ -4387,7 +4387,7 @@
           <a:p>
             <a:fld id="{38E7CFFA-C5E0-4E19-B8D5-BBB60124E335}" type="datetimeFigureOut">
               <a:rPr lang="en-IN" smtClean="0"/>
-              <a:t>23-07-2024</a:t>
+              <a:t>24-07-2024</a:t>
             </a:fld>
             <a:endParaRPr lang="en-IN"/>
           </a:p>
